--- a/Courses/Software-Sciences/Module-4-Information-Systems/01-Introduction-to-IT-Systems/01-Introduction-to-IT-Systems.pptx
+++ b/Courses/Software-Sciences/Module-4-Information-Systems/01-Introduction-to-IT-Systems/01-Introduction-to-IT-Systems.pptx
@@ -344,7 +344,7 @@
           <a:p>
             <a:fld id="{4E087215-0C8F-4762-A664-737A353EC9A4}" type="datetimeFigureOut">
               <a:rPr lang="bg-BG" smtClean="0"/>
-              <a:t>23.12.2024 г.</a:t>
+              <a:t>4.02.25 г.</a:t>
             </a:fld>
             <a:endParaRPr lang="bg-BG"/>
           </a:p>
@@ -540,7 +540,7 @@
           <a:p>
             <a:fld id="{72D84649-876A-46C9-8472-14CB09C070D8}" type="datetimeFigureOut">
               <a:rPr lang="en-US" smtClean="0"/>
-              <a:t>12/23/2024</a:t>
+              <a:t>2/4/25</a:t>
             </a:fld>
             <a:endParaRPr lang="en-US"/>
           </a:p>
@@ -14005,8 +14005,8 @@
         </p:blipFill>
         <p:spPr>
           <a:xfrm>
-            <a:off x="532162" y="3037179"/>
-            <a:ext cx="1977650" cy="886971"/>
+            <a:off x="532162" y="3038128"/>
+            <a:ext cx="1977650" cy="885072"/>
           </a:xfrm>
           <a:prstGeom prst="rect">
             <a:avLst/>
